--- a/Ушаков М.В. курсовая.pptx
+++ b/Ушаков М.В. курсовая.pptx
@@ -307,7 +307,7 @@
           <a:p>
             <a:fld id="{BD1D7DEC-5186-46B6-82E5-D77F89F2C72B}" type="datetimeFigureOut">
               <a:rPr lang="ru-RU" smtClean="0"/>
-              <a:t>27.06.2023</a:t>
+              <a:t>28.06.2023</a:t>
             </a:fld>
             <a:endParaRPr lang="ru-RU"/>
           </a:p>
@@ -505,7 +505,7 @@
           <a:p>
             <a:fld id="{BD1D7DEC-5186-46B6-82E5-D77F89F2C72B}" type="datetimeFigureOut">
               <a:rPr lang="ru-RU" smtClean="0"/>
-              <a:t>27.06.2023</a:t>
+              <a:t>28.06.2023</a:t>
             </a:fld>
             <a:endParaRPr lang="ru-RU"/>
           </a:p>
@@ -713,7 +713,7 @@
           <a:p>
             <a:fld id="{BD1D7DEC-5186-46B6-82E5-D77F89F2C72B}" type="datetimeFigureOut">
               <a:rPr lang="ru-RU" smtClean="0"/>
-              <a:t>27.06.2023</a:t>
+              <a:t>28.06.2023</a:t>
             </a:fld>
             <a:endParaRPr lang="ru-RU"/>
           </a:p>
@@ -911,7 +911,7 @@
           <a:p>
             <a:fld id="{BD1D7DEC-5186-46B6-82E5-D77F89F2C72B}" type="datetimeFigureOut">
               <a:rPr lang="ru-RU" smtClean="0"/>
-              <a:t>27.06.2023</a:t>
+              <a:t>28.06.2023</a:t>
             </a:fld>
             <a:endParaRPr lang="ru-RU"/>
           </a:p>
@@ -1186,7 +1186,7 @@
           <a:p>
             <a:fld id="{BD1D7DEC-5186-46B6-82E5-D77F89F2C72B}" type="datetimeFigureOut">
               <a:rPr lang="ru-RU" smtClean="0"/>
-              <a:t>27.06.2023</a:t>
+              <a:t>28.06.2023</a:t>
             </a:fld>
             <a:endParaRPr lang="ru-RU"/>
           </a:p>
@@ -1451,7 +1451,7 @@
           <a:p>
             <a:fld id="{BD1D7DEC-5186-46B6-82E5-D77F89F2C72B}" type="datetimeFigureOut">
               <a:rPr lang="ru-RU" smtClean="0"/>
-              <a:t>27.06.2023</a:t>
+              <a:t>28.06.2023</a:t>
             </a:fld>
             <a:endParaRPr lang="ru-RU"/>
           </a:p>
@@ -1863,7 +1863,7 @@
           <a:p>
             <a:fld id="{BD1D7DEC-5186-46B6-82E5-D77F89F2C72B}" type="datetimeFigureOut">
               <a:rPr lang="ru-RU" smtClean="0"/>
-              <a:t>27.06.2023</a:t>
+              <a:t>28.06.2023</a:t>
             </a:fld>
             <a:endParaRPr lang="ru-RU"/>
           </a:p>
@@ -2004,7 +2004,7 @@
           <a:p>
             <a:fld id="{BD1D7DEC-5186-46B6-82E5-D77F89F2C72B}" type="datetimeFigureOut">
               <a:rPr lang="ru-RU" smtClean="0"/>
-              <a:t>27.06.2023</a:t>
+              <a:t>28.06.2023</a:t>
             </a:fld>
             <a:endParaRPr lang="ru-RU"/>
           </a:p>
@@ -2117,7 +2117,7 @@
           <a:p>
             <a:fld id="{BD1D7DEC-5186-46B6-82E5-D77F89F2C72B}" type="datetimeFigureOut">
               <a:rPr lang="ru-RU" smtClean="0"/>
-              <a:t>27.06.2023</a:t>
+              <a:t>28.06.2023</a:t>
             </a:fld>
             <a:endParaRPr lang="ru-RU"/>
           </a:p>
@@ -2428,7 +2428,7 @@
           <a:p>
             <a:fld id="{BD1D7DEC-5186-46B6-82E5-D77F89F2C72B}" type="datetimeFigureOut">
               <a:rPr lang="ru-RU" smtClean="0"/>
-              <a:t>27.06.2023</a:t>
+              <a:t>28.06.2023</a:t>
             </a:fld>
             <a:endParaRPr lang="ru-RU"/>
           </a:p>
@@ -2716,7 +2716,7 @@
           <a:p>
             <a:fld id="{BD1D7DEC-5186-46B6-82E5-D77F89F2C72B}" type="datetimeFigureOut">
               <a:rPr lang="ru-RU" smtClean="0"/>
-              <a:t>27.06.2023</a:t>
+              <a:t>28.06.2023</a:t>
             </a:fld>
             <a:endParaRPr lang="ru-RU"/>
           </a:p>
@@ -2957,7 +2957,7 @@
           <a:p>
             <a:fld id="{BD1D7DEC-5186-46B6-82E5-D77F89F2C72B}" type="datetimeFigureOut">
               <a:rPr lang="ru-RU" smtClean="0"/>
-              <a:t>27.06.2023</a:t>
+              <a:t>28.06.2023</a:t>
             </a:fld>
             <a:endParaRPr lang="ru-RU"/>
           </a:p>
@@ -3403,19 +3403,61 @@
           <a:lstStyle/>
           <a:p>
             <a:r>
-              <a:rPr lang="ru-RU" sz="5400" dirty="0">
+              <a:rPr lang="ru-RU" sz="3600" dirty="0">
                 <a:latin typeface="Arial" panose="020B0604020202020204" pitchFamily="34" charset="0"/>
                 <a:cs typeface="Arial" panose="020B0604020202020204" pitchFamily="34" charset="0"/>
               </a:rPr>
-              <a:t>Отчет по выполнению курсовой работы на тему: «Разработка базы данных для библиотеки»</a:t>
-            </a:r>
-            <a:br>
-              <a:rPr lang="ru-RU" sz="5400" dirty="0">
+              <a:t>Отчет по выполнению курсовой работы на тему: «Проектирование и разработка базы данных «библиотека» в </a:t>
+            </a:r>
+            <a:r>
+              <a:rPr lang="ru-RU" sz="3600" dirty="0" err="1">
                 <a:latin typeface="Arial" panose="020B0604020202020204" pitchFamily="34" charset="0"/>
                 <a:cs typeface="Arial" panose="020B0604020202020204" pitchFamily="34" charset="0"/>
               </a:rPr>
+              <a:t>субд</a:t>
+            </a:r>
+            <a:r>
+              <a:rPr lang="ru-RU" sz="3600" dirty="0">
+                <a:latin typeface="Arial" panose="020B0604020202020204" pitchFamily="34" charset="0"/>
+                <a:cs typeface="Arial" panose="020B0604020202020204" pitchFamily="34" charset="0"/>
+              </a:rPr>
+              <a:t> </a:t>
+            </a:r>
+            <a:r>
+              <a:rPr lang="en-US" sz="3600" dirty="0">
+                <a:latin typeface="Arial" panose="020B0604020202020204" pitchFamily="34" charset="0"/>
+                <a:cs typeface="Arial" panose="020B0604020202020204" pitchFamily="34" charset="0"/>
+              </a:rPr>
+              <a:t>P</a:t>
+            </a:r>
+            <a:r>
+              <a:rPr lang="ru-RU" sz="3600" dirty="0" err="1">
+                <a:latin typeface="Arial" panose="020B0604020202020204" pitchFamily="34" charset="0"/>
+                <a:cs typeface="Arial" panose="020B0604020202020204" pitchFamily="34" charset="0"/>
+              </a:rPr>
+              <a:t>ostgre</a:t>
+            </a:r>
+            <a:r>
+              <a:rPr lang="en-US" sz="3600" dirty="0">
+                <a:latin typeface="Arial" panose="020B0604020202020204" pitchFamily="34" charset="0"/>
+                <a:cs typeface="Arial" panose="020B0604020202020204" pitchFamily="34" charset="0"/>
+              </a:rPr>
+              <a:t>SQL</a:t>
+            </a:r>
+            <a:r>
+              <a:rPr lang="ru-RU" sz="3600" dirty="0">
+                <a:latin typeface="Arial" panose="020B0604020202020204" pitchFamily="34" charset="0"/>
+                <a:cs typeface="Arial" panose="020B0604020202020204" pitchFamily="34" charset="0"/>
+              </a:rPr>
+              <a:t>»</a:t>
+            </a:r>
+            <a:br>
+              <a:rPr lang="ru-RU" sz="3600" dirty="0">
+                <a:latin typeface="Arial" panose="020B0604020202020204" pitchFamily="34" charset="0"/>
+                <a:cs typeface="Arial" panose="020B0604020202020204" pitchFamily="34" charset="0"/>
+              </a:rPr>
             </a:br>
-            <a:endParaRPr lang="ru-RU" sz="5400" dirty="0">
+            <a:endParaRPr lang="ru-RU" sz="3600" dirty="0">
               <a:latin typeface="Arial" panose="020B0604020202020204" pitchFamily="34" charset="0"/>
               <a:cs typeface="Arial" panose="020B0604020202020204" pitchFamily="34" charset="0"/>
             </a:endParaRPr>
